--- a/Presentation.pptx
+++ b/Presentation.pptx
@@ -281,7 +281,7 @@
           <a:p>
             <a:fld id="{1A818AE2-787F-4322-BE66-795CE505C672}" type="datetimeFigureOut">
               <a:rPr lang="pt-BR" smtClean="0"/>
-              <a:t>04/05/2021</a:t>
+              <a:t>05/05/2021</a:t>
             </a:fld>
             <a:endParaRPr lang="pt-BR"/>
           </a:p>
@@ -481,7 +481,7 @@
           <a:p>
             <a:fld id="{1A818AE2-787F-4322-BE66-795CE505C672}" type="datetimeFigureOut">
               <a:rPr lang="pt-BR" smtClean="0"/>
-              <a:t>04/05/2021</a:t>
+              <a:t>05/05/2021</a:t>
             </a:fld>
             <a:endParaRPr lang="pt-BR"/>
           </a:p>
@@ -691,7 +691,7 @@
           <a:p>
             <a:fld id="{1A818AE2-787F-4322-BE66-795CE505C672}" type="datetimeFigureOut">
               <a:rPr lang="pt-BR" smtClean="0"/>
-              <a:t>04/05/2021</a:t>
+              <a:t>05/05/2021</a:t>
             </a:fld>
             <a:endParaRPr lang="pt-BR"/>
           </a:p>
@@ -891,7 +891,7 @@
           <a:p>
             <a:fld id="{1A818AE2-787F-4322-BE66-795CE505C672}" type="datetimeFigureOut">
               <a:rPr lang="pt-BR" smtClean="0"/>
-              <a:t>04/05/2021</a:t>
+              <a:t>05/05/2021</a:t>
             </a:fld>
             <a:endParaRPr lang="pt-BR"/>
           </a:p>
@@ -1167,7 +1167,7 @@
           <a:p>
             <a:fld id="{1A818AE2-787F-4322-BE66-795CE505C672}" type="datetimeFigureOut">
               <a:rPr lang="pt-BR" smtClean="0"/>
-              <a:t>04/05/2021</a:t>
+              <a:t>05/05/2021</a:t>
             </a:fld>
             <a:endParaRPr lang="pt-BR"/>
           </a:p>
@@ -1435,7 +1435,7 @@
           <a:p>
             <a:fld id="{1A818AE2-787F-4322-BE66-795CE505C672}" type="datetimeFigureOut">
               <a:rPr lang="pt-BR" smtClean="0"/>
-              <a:t>04/05/2021</a:t>
+              <a:t>05/05/2021</a:t>
             </a:fld>
             <a:endParaRPr lang="pt-BR"/>
           </a:p>
@@ -1850,7 +1850,7 @@
           <a:p>
             <a:fld id="{1A818AE2-787F-4322-BE66-795CE505C672}" type="datetimeFigureOut">
               <a:rPr lang="pt-BR" smtClean="0"/>
-              <a:t>04/05/2021</a:t>
+              <a:t>05/05/2021</a:t>
             </a:fld>
             <a:endParaRPr lang="pt-BR"/>
           </a:p>
@@ -1992,7 +1992,7 @@
           <a:p>
             <a:fld id="{1A818AE2-787F-4322-BE66-795CE505C672}" type="datetimeFigureOut">
               <a:rPr lang="pt-BR" smtClean="0"/>
-              <a:t>04/05/2021</a:t>
+              <a:t>05/05/2021</a:t>
             </a:fld>
             <a:endParaRPr lang="pt-BR"/>
           </a:p>
@@ -2105,7 +2105,7 @@
           <a:p>
             <a:fld id="{1A818AE2-787F-4322-BE66-795CE505C672}" type="datetimeFigureOut">
               <a:rPr lang="pt-BR" smtClean="0"/>
-              <a:t>04/05/2021</a:t>
+              <a:t>05/05/2021</a:t>
             </a:fld>
             <a:endParaRPr lang="pt-BR"/>
           </a:p>
@@ -2418,7 +2418,7 @@
           <a:p>
             <a:fld id="{1A818AE2-787F-4322-BE66-795CE505C672}" type="datetimeFigureOut">
               <a:rPr lang="pt-BR" smtClean="0"/>
-              <a:t>04/05/2021</a:t>
+              <a:t>05/05/2021</a:t>
             </a:fld>
             <a:endParaRPr lang="pt-BR"/>
           </a:p>
@@ -2707,7 +2707,7 @@
           <a:p>
             <a:fld id="{1A818AE2-787F-4322-BE66-795CE505C672}" type="datetimeFigureOut">
               <a:rPr lang="pt-BR" smtClean="0"/>
-              <a:t>04/05/2021</a:t>
+              <a:t>05/05/2021</a:t>
             </a:fld>
             <a:endParaRPr lang="pt-BR"/>
           </a:p>
@@ -2950,7 +2950,7 @@
           <a:p>
             <a:fld id="{1A818AE2-787F-4322-BE66-795CE505C672}" type="datetimeFigureOut">
               <a:rPr lang="pt-BR" smtClean="0"/>
-              <a:t>04/05/2021</a:t>
+              <a:t>05/05/2021</a:t>
             </a:fld>
             <a:endParaRPr lang="pt-BR"/>
           </a:p>
@@ -5118,10 +5118,10 @@
       </p:sp>
       <p:pic>
         <p:nvPicPr>
-          <p:cNvPr id="7" name="Picture 6">
-            <a:extLst>
-              <a:ext uri="{FF2B5EF4-FFF2-40B4-BE49-F238E27FC236}">
-                <a16:creationId xmlns:a16="http://schemas.microsoft.com/office/drawing/2014/main" id="{F9A65F02-401F-47B0-875C-CA4F9ECC7B9F}"/>
+          <p:cNvPr id="4" name="Picture 3">
+            <a:extLst>
+              <a:ext uri="{FF2B5EF4-FFF2-40B4-BE49-F238E27FC236}">
+                <a16:creationId xmlns:a16="http://schemas.microsoft.com/office/drawing/2014/main" id="{72E8A9F4-FF52-4B18-8389-235A174D7240}"/>
               </a:ext>
             </a:extLst>
           </p:cNvPr>
@@ -5138,8 +5138,37 @@
         </p:blipFill>
         <p:spPr>
           <a:xfrm>
-            <a:off x="1120726" y="1364150"/>
-            <a:ext cx="9726637" cy="5493850"/>
+            <a:off x="988514" y="1400635"/>
+            <a:ext cx="4863646" cy="5386307"/>
+          </a:xfrm>
+          <a:prstGeom prst="rect">
+            <a:avLst/>
+          </a:prstGeom>
+        </p:spPr>
+      </p:pic>
+      <p:pic>
+        <p:nvPicPr>
+          <p:cNvPr id="6" name="Picture 5">
+            <a:extLst>
+              <a:ext uri="{FF2B5EF4-FFF2-40B4-BE49-F238E27FC236}">
+                <a16:creationId xmlns:a16="http://schemas.microsoft.com/office/drawing/2014/main" id="{E74D1E93-C57F-4CDA-93AD-ECB69C2E0E24}"/>
+              </a:ext>
+            </a:extLst>
+          </p:cNvPr>
+          <p:cNvPicPr>
+            <a:picLocks noChangeAspect="1"/>
+          </p:cNvPicPr>
+          <p:nvPr/>
+        </p:nvPicPr>
+        <p:blipFill rotWithShape="1">
+          <a:blip r:embed="rId3"/>
+          <a:srcRect t="5341"/>
+          <a:stretch/>
+        </p:blipFill>
+        <p:spPr>
+          <a:xfrm>
+            <a:off x="5589563" y="1400634"/>
+            <a:ext cx="5107012" cy="5382293"/>
           </a:xfrm>
           <a:prstGeom prst="rect">
             <a:avLst/>
@@ -5851,10 +5880,10 @@
       </p:sp>
       <p:pic>
         <p:nvPicPr>
-          <p:cNvPr id="4" name="Picture 3">
-            <a:extLst>
-              <a:ext uri="{FF2B5EF4-FFF2-40B4-BE49-F238E27FC236}">
-                <a16:creationId xmlns:a16="http://schemas.microsoft.com/office/drawing/2014/main" id="{3337BC3F-AED5-41BE-8936-AB266C1E61EC}"/>
+          <p:cNvPr id="5" name="Picture 4">
+            <a:extLst>
+              <a:ext uri="{FF2B5EF4-FFF2-40B4-BE49-F238E27FC236}">
+                <a16:creationId xmlns:a16="http://schemas.microsoft.com/office/drawing/2014/main" id="{00C23225-ECF5-417C-AA0D-097A52BD632B}"/>
               </a:ext>
             </a:extLst>
           </p:cNvPr>
@@ -5871,8 +5900,37 @@
         </p:blipFill>
         <p:spPr>
           <a:xfrm>
-            <a:off x="1344637" y="1095049"/>
-            <a:ext cx="9502726" cy="5446006"/>
+            <a:off x="1447206" y="1400636"/>
+            <a:ext cx="4828837" cy="5211179"/>
+          </a:xfrm>
+          <a:prstGeom prst="rect">
+            <a:avLst/>
+          </a:prstGeom>
+        </p:spPr>
+      </p:pic>
+      <p:pic>
+        <p:nvPicPr>
+          <p:cNvPr id="7" name="Picture 6">
+            <a:extLst>
+              <a:ext uri="{FF2B5EF4-FFF2-40B4-BE49-F238E27FC236}">
+                <a16:creationId xmlns:a16="http://schemas.microsoft.com/office/drawing/2014/main" id="{5C376BC7-1AC1-4DC4-98DC-8D6CD2E99A37}"/>
+              </a:ext>
+            </a:extLst>
+          </p:cNvPr>
+          <p:cNvPicPr>
+            <a:picLocks noChangeAspect="1"/>
+          </p:cNvPicPr>
+          <p:nvPr/>
+        </p:nvPicPr>
+        <p:blipFill rotWithShape="1">
+          <a:blip r:embed="rId3"/>
+          <a:srcRect t="3105"/>
+          <a:stretch/>
+        </p:blipFill>
+        <p:spPr>
+          <a:xfrm>
+            <a:off x="6096000" y="1400636"/>
+            <a:ext cx="4648794" cy="5266988"/>
           </a:xfrm>
           <a:prstGeom prst="rect">
             <a:avLst/>
